--- a/dataset2.pptx
+++ b/dataset2.pptx
@@ -11,9 +11,8 @@
     <p:sldId id="259" r:id="rId5"/>
     <p:sldId id="260" r:id="rId6"/>
     <p:sldId id="265" r:id="rId7"/>
-    <p:sldId id="262" r:id="rId8"/>
-    <p:sldId id="258" r:id="rId9"/>
-    <p:sldId id="266" r:id="rId10"/>
+    <p:sldId id="258" r:id="rId8"/>
+    <p:sldId id="266" r:id="rId9"/>
   </p:sldIdLst>
   <p:sldSz cx="12192000" cy="6858000"/>
   <p:notesSz cx="6858000" cy="9144000"/>
@@ -133,7 +132,7 @@
   <pc:docChgLst>
     <pc:chgData name="Li Lixiang" userId="6104bbfcb56aea79" providerId="LiveId" clId="{69A0FABE-7A71-436A-B310-AB10882E820B}"/>
     <pc:docChg chg="undo custSel addSld delSld modSld sldOrd">
-      <pc:chgData name="Li Lixiang" userId="6104bbfcb56aea79" providerId="LiveId" clId="{69A0FABE-7A71-436A-B310-AB10882E820B}" dt="2021-09-23T10:23:39.007" v="693" actId="1036"/>
+      <pc:chgData name="Li Lixiang" userId="6104bbfcb56aea79" providerId="LiveId" clId="{69A0FABE-7A71-436A-B310-AB10882E820B}" dt="2021-12-07T14:00:42.638" v="694" actId="47"/>
       <pc:docMkLst>
         <pc:docMk/>
       </pc:docMkLst>
@@ -476,6 +475,13 @@
             <ac:spMk id="11" creationId="{5D94B7D9-C205-40D6-8B59-4264D5017E45}"/>
           </ac:spMkLst>
         </pc:spChg>
+      </pc:sldChg>
+      <pc:sldChg chg="del">
+        <pc:chgData name="Li Lixiang" userId="6104bbfcb56aea79" providerId="LiveId" clId="{69A0FABE-7A71-436A-B310-AB10882E820B}" dt="2021-12-07T14:00:42.638" v="694" actId="47"/>
+        <pc:sldMkLst>
+          <pc:docMk/>
+          <pc:sldMk cId="1052757169" sldId="262"/>
+        </pc:sldMkLst>
       </pc:sldChg>
       <pc:sldChg chg="addSp delSp modSp add mod">
         <pc:chgData name="Li Lixiang" userId="6104bbfcb56aea79" providerId="LiveId" clId="{69A0FABE-7A71-436A-B310-AB10882E820B}" dt="2021-07-26T00:21:07.905" v="457" actId="20577"/>
@@ -1583,7 +1589,7 @@
           <a:p>
             <a:fld id="{3959D95D-2449-4E0F-9DAE-C8FC59A01F8D}" type="datetimeFigureOut">
               <a:rPr lang="en-MY" smtClean="0"/>
-              <a:t>23/9/2021</a:t>
+              <a:t>7/12/2021</a:t>
             </a:fld>
             <a:endParaRPr lang="en-MY"/>
           </a:p>
@@ -1783,7 +1789,7 @@
           <a:p>
             <a:fld id="{3959D95D-2449-4E0F-9DAE-C8FC59A01F8D}" type="datetimeFigureOut">
               <a:rPr lang="en-MY" smtClean="0"/>
-              <a:t>23/9/2021</a:t>
+              <a:t>7/12/2021</a:t>
             </a:fld>
             <a:endParaRPr lang="en-MY"/>
           </a:p>
@@ -1993,7 +1999,7 @@
           <a:p>
             <a:fld id="{3959D95D-2449-4E0F-9DAE-C8FC59A01F8D}" type="datetimeFigureOut">
               <a:rPr lang="en-MY" smtClean="0"/>
-              <a:t>23/9/2021</a:t>
+              <a:t>7/12/2021</a:t>
             </a:fld>
             <a:endParaRPr lang="en-MY"/>
           </a:p>
@@ -2193,7 +2199,7 @@
           <a:p>
             <a:fld id="{3959D95D-2449-4E0F-9DAE-C8FC59A01F8D}" type="datetimeFigureOut">
               <a:rPr lang="en-MY" smtClean="0"/>
-              <a:t>23/9/2021</a:t>
+              <a:t>7/12/2021</a:t>
             </a:fld>
             <a:endParaRPr lang="en-MY"/>
           </a:p>
@@ -2469,7 +2475,7 @@
           <a:p>
             <a:fld id="{3959D95D-2449-4E0F-9DAE-C8FC59A01F8D}" type="datetimeFigureOut">
               <a:rPr lang="en-MY" smtClean="0"/>
-              <a:t>23/9/2021</a:t>
+              <a:t>7/12/2021</a:t>
             </a:fld>
             <a:endParaRPr lang="en-MY"/>
           </a:p>
@@ -2737,7 +2743,7 @@
           <a:p>
             <a:fld id="{3959D95D-2449-4E0F-9DAE-C8FC59A01F8D}" type="datetimeFigureOut">
               <a:rPr lang="en-MY" smtClean="0"/>
-              <a:t>23/9/2021</a:t>
+              <a:t>7/12/2021</a:t>
             </a:fld>
             <a:endParaRPr lang="en-MY"/>
           </a:p>
@@ -3152,7 +3158,7 @@
           <a:p>
             <a:fld id="{3959D95D-2449-4E0F-9DAE-C8FC59A01F8D}" type="datetimeFigureOut">
               <a:rPr lang="en-MY" smtClean="0"/>
-              <a:t>23/9/2021</a:t>
+              <a:t>7/12/2021</a:t>
             </a:fld>
             <a:endParaRPr lang="en-MY"/>
           </a:p>
@@ -3294,7 +3300,7 @@
           <a:p>
             <a:fld id="{3959D95D-2449-4E0F-9DAE-C8FC59A01F8D}" type="datetimeFigureOut">
               <a:rPr lang="en-MY" smtClean="0"/>
-              <a:t>23/9/2021</a:t>
+              <a:t>7/12/2021</a:t>
             </a:fld>
             <a:endParaRPr lang="en-MY"/>
           </a:p>
@@ -3407,7 +3413,7 @@
           <a:p>
             <a:fld id="{3959D95D-2449-4E0F-9DAE-C8FC59A01F8D}" type="datetimeFigureOut">
               <a:rPr lang="en-MY" smtClean="0"/>
-              <a:t>23/9/2021</a:t>
+              <a:t>7/12/2021</a:t>
             </a:fld>
             <a:endParaRPr lang="en-MY"/>
           </a:p>
@@ -3720,7 +3726,7 @@
           <a:p>
             <a:fld id="{3959D95D-2449-4E0F-9DAE-C8FC59A01F8D}" type="datetimeFigureOut">
               <a:rPr lang="en-MY" smtClean="0"/>
-              <a:t>23/9/2021</a:t>
+              <a:t>7/12/2021</a:t>
             </a:fld>
             <a:endParaRPr lang="en-MY"/>
           </a:p>
@@ -4009,7 +4015,7 @@
           <a:p>
             <a:fld id="{3959D95D-2449-4E0F-9DAE-C8FC59A01F8D}" type="datetimeFigureOut">
               <a:rPr lang="en-MY" smtClean="0"/>
-              <a:t>23/9/2021</a:t>
+              <a:t>7/12/2021</a:t>
             </a:fld>
             <a:endParaRPr lang="en-MY"/>
           </a:p>
@@ -4252,7 +4258,7 @@
           <a:p>
             <a:fld id="{3959D95D-2449-4E0F-9DAE-C8FC59A01F8D}" type="datetimeFigureOut">
               <a:rPr lang="en-MY" smtClean="0"/>
-              <a:t>23/9/2021</a:t>
+              <a:t>7/12/2021</a:t>
             </a:fld>
             <a:endParaRPr lang="en-MY"/>
           </a:p>
@@ -7508,17 +7514,6 @@
 <file path=ppt/slides/slide7.xml><?xml version="1.0" encoding="utf-8"?>
 <p:sld xmlns:a="http://schemas.openxmlformats.org/drawingml/2006/main" xmlns:r="http://schemas.openxmlformats.org/officeDocument/2006/relationships" xmlns:p="http://schemas.openxmlformats.org/presentationml/2006/main">
   <p:cSld>
-    <p:bg>
-      <p:bgPr>
-        <a:solidFill>
-          <a:schemeClr val="tx2">
-            <a:lumMod val="20000"/>
-            <a:lumOff val="80000"/>
-          </a:schemeClr>
-        </a:solidFill>
-        <a:effectLst/>
-      </p:bgPr>
-    </p:bg>
     <p:spTree>
       <p:nvGrpSpPr>
         <p:cNvPr id="1" name=""/>
@@ -7535,10 +7530,10 @@
       </p:grpSpPr>
       <p:sp>
         <p:nvSpPr>
-          <p:cNvPr id="6" name="TextBox 5">
-            <a:extLst>
-              <a:ext uri="{FF2B5EF4-FFF2-40B4-BE49-F238E27FC236}">
-                <a16:creationId xmlns:a16="http://schemas.microsoft.com/office/drawing/2014/main" id="{9C0392EC-A6A4-4B34-8233-706F13200954}"/>
+          <p:cNvPr id="5" name="TextBox 4">
+            <a:extLst>
+              <a:ext uri="{FF2B5EF4-FFF2-40B4-BE49-F238E27FC236}">
+                <a16:creationId xmlns:a16="http://schemas.microsoft.com/office/drawing/2014/main" id="{866A4AFA-A535-4883-9D03-FA01417F39BC}"/>
               </a:ext>
             </a:extLst>
           </p:cNvPr>
@@ -7547,8 +7542,8 @@
         </p:nvSpPr>
         <p:spPr>
           <a:xfrm>
-            <a:off x="1103051" y="438470"/>
-            <a:ext cx="8635754" cy="646331"/>
+            <a:off x="1103050" y="556619"/>
+            <a:ext cx="6094520" cy="369332"/>
           </a:xfrm>
           <a:prstGeom prst="rect">
             <a:avLst/>
@@ -7556,7 +7551,181 @@
           <a:noFill/>
         </p:spPr>
         <p:txBody>
-          <a:bodyPr wrap="square" rtlCol="0">
+          <a:bodyPr wrap="square">
+            <a:spAutoFit/>
+          </a:bodyPr>
+          <a:lstStyle/>
+          <a:p>
+            <a:pPr marL="285750" indent="-285750">
+              <a:buFont typeface="Arial" panose="020B0604020202020204" pitchFamily="34" charset="0"/>
+              <a:buChar char="•"/>
+            </a:pPr>
+            <a:r>
+              <a:rPr lang="en-MY" b="0" i="0" dirty="0">
+                <a:solidFill>
+                  <a:srgbClr val="24292E"/>
+                </a:solidFill>
+                <a:effectLst/>
+                <a:latin typeface="-apple-system"/>
+              </a:rPr>
+              <a:t>Top grossing movies from 2007-2011</a:t>
+            </a:r>
+            <a:endParaRPr lang="en-MY" dirty="0"/>
+          </a:p>
+        </p:txBody>
+      </p:sp>
+      <p:sp>
+        <p:nvSpPr>
+          <p:cNvPr id="7" name="TextBox 6">
+            <a:extLst>
+              <a:ext uri="{FF2B5EF4-FFF2-40B4-BE49-F238E27FC236}">
+                <a16:creationId xmlns:a16="http://schemas.microsoft.com/office/drawing/2014/main" id="{8B3BF51D-E38D-4379-BCD5-99E36253614C}"/>
+              </a:ext>
+            </a:extLst>
+          </p:cNvPr>
+          <p:cNvSpPr txBox="1"/>
+          <p:nvPr/>
+        </p:nvSpPr>
+        <p:spPr>
+          <a:xfrm>
+            <a:off x="1919795" y="990265"/>
+            <a:ext cx="7685843" cy="369332"/>
+          </a:xfrm>
+          <a:prstGeom prst="rect">
+            <a:avLst/>
+          </a:prstGeom>
+          <a:noFill/>
+        </p:spPr>
+        <p:txBody>
+          <a:bodyPr wrap="square">
+            <a:spAutoFit/>
+          </a:bodyPr>
+          <a:lstStyle/>
+          <a:p>
+            <a:r>
+              <a:rPr lang="en-MY" dirty="0">
+                <a:hlinkClick r:id="rId2"/>
+              </a:rPr>
+              <a:t>https://gist.github.com/katcappelli/bcfd602292f9677a7063b5e70a967964</a:t>
+            </a:r>
+            <a:r>
+              <a:rPr lang="en-MY" dirty="0"/>
+              <a:t> </a:t>
+            </a:r>
+          </a:p>
+        </p:txBody>
+      </p:sp>
+      <p:sp>
+        <p:nvSpPr>
+          <p:cNvPr id="9" name="TextBox 8">
+            <a:extLst>
+              <a:ext uri="{FF2B5EF4-FFF2-40B4-BE49-F238E27FC236}">
+                <a16:creationId xmlns:a16="http://schemas.microsoft.com/office/drawing/2014/main" id="{20D2E8FB-AA49-4755-9F54-AE7EDE22D88D}"/>
+              </a:ext>
+            </a:extLst>
+          </p:cNvPr>
+          <p:cNvSpPr txBox="1"/>
+          <p:nvPr/>
+        </p:nvSpPr>
+        <p:spPr>
+          <a:xfrm>
+            <a:off x="1919795" y="2647211"/>
+            <a:ext cx="6094520" cy="369332"/>
+          </a:xfrm>
+          <a:prstGeom prst="rect">
+            <a:avLst/>
+          </a:prstGeom>
+          <a:noFill/>
+        </p:spPr>
+        <p:txBody>
+          <a:bodyPr wrap="square">
+            <a:spAutoFit/>
+          </a:bodyPr>
+          <a:lstStyle/>
+          <a:p>
+            <a:r>
+              <a:rPr lang="en-MY" dirty="0">
+                <a:hlinkClick r:id="rId3"/>
+              </a:rPr>
+              <a:t>https://lms.pps.net/courses/14964/files/60521</a:t>
+            </a:r>
+            <a:r>
+              <a:rPr lang="en-MY" dirty="0"/>
+              <a:t> </a:t>
+            </a:r>
+          </a:p>
+        </p:txBody>
+      </p:sp>
+      <p:sp>
+        <p:nvSpPr>
+          <p:cNvPr id="10" name="TextBox 9">
+            <a:extLst>
+              <a:ext uri="{FF2B5EF4-FFF2-40B4-BE49-F238E27FC236}">
+                <a16:creationId xmlns:a16="http://schemas.microsoft.com/office/drawing/2014/main" id="{E8E66EE0-80CC-4208-BF93-EF31B1D080F8}"/>
+              </a:ext>
+            </a:extLst>
+          </p:cNvPr>
+          <p:cNvSpPr txBox="1"/>
+          <p:nvPr/>
+        </p:nvSpPr>
+        <p:spPr>
+          <a:xfrm>
+            <a:off x="1103050" y="2175431"/>
+            <a:ext cx="6094520" cy="369332"/>
+          </a:xfrm>
+          <a:prstGeom prst="rect">
+            <a:avLst/>
+          </a:prstGeom>
+          <a:noFill/>
+        </p:spPr>
+        <p:txBody>
+          <a:bodyPr wrap="square">
+            <a:spAutoFit/>
+          </a:bodyPr>
+          <a:lstStyle/>
+          <a:p>
+            <a:pPr marL="285750" indent="-285750">
+              <a:buFont typeface="Arial" panose="020B0604020202020204" pitchFamily="34" charset="0"/>
+              <a:buChar char="•"/>
+            </a:pPr>
+            <a:r>
+              <a:rPr lang="en-MY" b="0" i="0" dirty="0">
+                <a:solidFill>
+                  <a:srgbClr val="24292E"/>
+                </a:solidFill>
+                <a:effectLst/>
+                <a:latin typeface="-apple-system"/>
+              </a:rPr>
+              <a:t>500 Top grossing movies</a:t>
+            </a:r>
+            <a:endParaRPr lang="en-MY" dirty="0"/>
+          </a:p>
+        </p:txBody>
+      </p:sp>
+      <p:sp>
+        <p:nvSpPr>
+          <p:cNvPr id="6" name="TextBox 5">
+            <a:extLst>
+              <a:ext uri="{FF2B5EF4-FFF2-40B4-BE49-F238E27FC236}">
+                <a16:creationId xmlns:a16="http://schemas.microsoft.com/office/drawing/2014/main" id="{6C02F035-1729-4B10-9889-A4770CC41A5A}"/>
+              </a:ext>
+            </a:extLst>
+          </p:cNvPr>
+          <p:cNvSpPr txBox="1"/>
+          <p:nvPr/>
+        </p:nvSpPr>
+        <p:spPr>
+          <a:xfrm>
+            <a:off x="1103050" y="3759217"/>
+            <a:ext cx="4948021" cy="369332"/>
+          </a:xfrm>
+          <a:prstGeom prst="rect">
+            <a:avLst/>
+          </a:prstGeom>
+          <a:noFill/>
+        </p:spPr>
+        <p:txBody>
+          <a:bodyPr wrap="none" rtlCol="0">
             <a:spAutoFit/>
           </a:bodyPr>
           <a:lstStyle/>
@@ -7593,727 +7762,6 @@
                 <a:ea typeface="+mn-ea"/>
                 <a:cs typeface="+mn-cs"/>
               </a:rPr>
-              <a:t>DATA SETS FOR HIPEL AND MCLEOD BOOK, "Time Series Modelling of Water Resources and Environmental Systems"</a:t>
-            </a:r>
-          </a:p>
-        </p:txBody>
-      </p:sp>
-      <p:sp>
-        <p:nvSpPr>
-          <p:cNvPr id="7" name="TextBox 6">
-            <a:extLst>
-              <a:ext uri="{FF2B5EF4-FFF2-40B4-BE49-F238E27FC236}">
-                <a16:creationId xmlns:a16="http://schemas.microsoft.com/office/drawing/2014/main" id="{B7EDC8E4-DE4F-49B7-B56B-691DE97416A9}"/>
-              </a:ext>
-            </a:extLst>
-          </p:cNvPr>
-          <p:cNvSpPr txBox="1"/>
-          <p:nvPr/>
-        </p:nvSpPr>
-        <p:spPr>
-          <a:xfrm>
-            <a:off x="1753337" y="1123424"/>
-            <a:ext cx="8635754" cy="923330"/>
-          </a:xfrm>
-          <a:prstGeom prst="rect">
-            <a:avLst/>
-          </a:prstGeom>
-          <a:noFill/>
-        </p:spPr>
-        <p:txBody>
-          <a:bodyPr wrap="square">
-            <a:spAutoFit/>
-          </a:bodyPr>
-          <a:lstStyle/>
-          <a:p>
-            <a:pPr marL="0" marR="0" lvl="0" indent="0" algn="l" defTabSz="914400" rtl="0" eaLnBrk="1" fontAlgn="auto" latinLnBrk="0" hangingPunct="1">
-              <a:lnSpc>
-                <a:spcPct val="100000"/>
-              </a:lnSpc>
-              <a:spcBef>
-                <a:spcPts val="0"/>
-              </a:spcBef>
-              <a:spcAft>
-                <a:spcPts val="0"/>
-              </a:spcAft>
-              <a:buClrTx/>
-              <a:buSzTx/>
-              <a:buFontTx/>
-              <a:buNone/>
-              <a:tabLst/>
-              <a:defRPr/>
-            </a:pPr>
-            <a:r>
-              <a:rPr kumimoji="0" lang="en-US" sz="1800" b="0" i="0" u="none" strike="noStrike" kern="1200" cap="none" spc="0" normalizeH="0" baseline="0" noProof="0" dirty="0">
-                <a:ln>
-                  <a:noFill/>
-                </a:ln>
-                <a:solidFill>
-                  <a:prstClr val="black"/>
-                </a:solidFill>
-                <a:effectLst/>
-                <a:uLnTx/>
-                <a:uFillTx/>
-                <a:latin typeface="Calibri" panose="020F0502020204030204"/>
-                <a:ea typeface="+mn-ea"/>
-                <a:cs typeface="+mn-cs"/>
-                <a:hlinkClick r:id="rId2"/>
-              </a:rPr>
-              <a:t>http://ftp.uni-bayreuth.de/math/statlib/datasets/hipel-mcleod</a:t>
-            </a:r>
-            <a:r>
-              <a:rPr kumimoji="0" lang="en-US" sz="1800" b="0" i="0" u="none" strike="noStrike" kern="1200" cap="none" spc="0" normalizeH="0" baseline="0" noProof="0" dirty="0">
-                <a:ln>
-                  <a:noFill/>
-                </a:ln>
-                <a:solidFill>
-                  <a:prstClr val="black"/>
-                </a:solidFill>
-                <a:effectLst/>
-                <a:uLnTx/>
-                <a:uFillTx/>
-                <a:latin typeface="Calibri" panose="020F0502020204030204"/>
-                <a:ea typeface="+mn-ea"/>
-                <a:cs typeface="+mn-cs"/>
-              </a:rPr>
-              <a:t> </a:t>
-            </a:r>
-          </a:p>
-          <a:p>
-            <a:pPr marL="0" marR="0" lvl="0" indent="0" algn="l" defTabSz="914400" rtl="0" eaLnBrk="1" fontAlgn="auto" latinLnBrk="0" hangingPunct="1">
-              <a:lnSpc>
-                <a:spcPct val="100000"/>
-              </a:lnSpc>
-              <a:spcBef>
-                <a:spcPts val="0"/>
-              </a:spcBef>
-              <a:spcAft>
-                <a:spcPts val="0"/>
-              </a:spcAft>
-              <a:buClrTx/>
-              <a:buSzTx/>
-              <a:buFontTx/>
-              <a:buNone/>
-              <a:tabLst/>
-              <a:defRPr/>
-            </a:pPr>
-            <a:r>
-              <a:rPr lang="en-US" dirty="0">
-                <a:solidFill>
-                  <a:prstClr val="black"/>
-                </a:solidFill>
-                <a:latin typeface="Calibri" panose="020F0502020204030204"/>
-              </a:rPr>
-              <a:t>After get the file, save it as hipel-mcleod.sh, then run this file in </a:t>
-            </a:r>
-            <a:r>
-              <a:rPr lang="en-US" dirty="0" err="1">
-                <a:solidFill>
-                  <a:prstClr val="black"/>
-                </a:solidFill>
-                <a:latin typeface="Calibri" panose="020F0502020204030204"/>
-              </a:rPr>
-              <a:t>linux</a:t>
-            </a:r>
-            <a:r>
-              <a:rPr lang="en-US" dirty="0">
-                <a:solidFill>
-                  <a:prstClr val="black"/>
-                </a:solidFill>
-                <a:latin typeface="Calibri" panose="020F0502020204030204"/>
-              </a:rPr>
-              <a:t> shell, or Cygwin shell, it will generate all data files.</a:t>
-            </a:r>
-            <a:endParaRPr kumimoji="0" lang="en-US" sz="1800" b="0" i="0" u="none" strike="noStrike" kern="1200" cap="none" spc="0" normalizeH="0" baseline="0" noProof="0" dirty="0">
-              <a:ln>
-                <a:noFill/>
-              </a:ln>
-              <a:solidFill>
-                <a:prstClr val="black"/>
-              </a:solidFill>
-              <a:effectLst/>
-              <a:uLnTx/>
-              <a:uFillTx/>
-              <a:latin typeface="Calibri" panose="020F0502020204030204"/>
-              <a:ea typeface="+mn-ea"/>
-              <a:cs typeface="+mn-cs"/>
-            </a:endParaRPr>
-          </a:p>
-        </p:txBody>
-      </p:sp>
-      <p:sp>
-        <p:nvSpPr>
-          <p:cNvPr id="4" name="TextBox 3">
-            <a:extLst>
-              <a:ext uri="{FF2B5EF4-FFF2-40B4-BE49-F238E27FC236}">
-                <a16:creationId xmlns:a16="http://schemas.microsoft.com/office/drawing/2014/main" id="{B6AA1EF8-B483-471C-A7A6-CED7D40FEBC8}"/>
-              </a:ext>
-            </a:extLst>
-          </p:cNvPr>
-          <p:cNvSpPr txBox="1"/>
-          <p:nvPr/>
-        </p:nvSpPr>
-        <p:spPr>
-          <a:xfrm>
-            <a:off x="1103051" y="2490691"/>
-            <a:ext cx="8635754" cy="369332"/>
-          </a:xfrm>
-          <a:prstGeom prst="rect">
-            <a:avLst/>
-          </a:prstGeom>
-          <a:noFill/>
-        </p:spPr>
-        <p:txBody>
-          <a:bodyPr wrap="square" rtlCol="0">
-            <a:spAutoFit/>
-          </a:bodyPr>
-          <a:lstStyle/>
-          <a:p>
-            <a:pPr marL="285750" marR="0" lvl="0" indent="-285750" algn="l" defTabSz="914400" rtl="0" eaLnBrk="1" fontAlgn="auto" latinLnBrk="0" hangingPunct="1">
-              <a:lnSpc>
-                <a:spcPct val="100000"/>
-              </a:lnSpc>
-              <a:spcBef>
-                <a:spcPts val="0"/>
-              </a:spcBef>
-              <a:spcAft>
-                <a:spcPts val="0"/>
-              </a:spcAft>
-              <a:buClrTx/>
-              <a:buSzTx/>
-              <a:buFont typeface="Arial" panose="020B0604020202020204" pitchFamily="34" charset="0"/>
-              <a:buChar char="•"/>
-              <a:tabLst/>
-              <a:defRPr/>
-            </a:pPr>
-            <a:r>
-              <a:rPr kumimoji="0" lang="en-MY" sz="1800" b="0" i="0" u="none" strike="noStrike" kern="1200" cap="none" spc="0" normalizeH="0" baseline="0" noProof="0" dirty="0">
-                <a:ln>
-                  <a:noFill/>
-                </a:ln>
-                <a:solidFill>
-                  <a:prstClr val="black"/>
-                </a:solidFill>
-                <a:effectLst/>
-                <a:uLnTx/>
-                <a:uFillTx/>
-                <a:latin typeface="Calibri" panose="020F0502020204030204"/>
-                <a:ea typeface="+mn-ea"/>
-                <a:cs typeface="+mn-cs"/>
-              </a:rPr>
-              <a:t>Monthly-car-sales-in-Quebec-1960</a:t>
-            </a:r>
-          </a:p>
-        </p:txBody>
-      </p:sp>
-      <p:sp>
-        <p:nvSpPr>
-          <p:cNvPr id="5" name="TextBox 4">
-            <a:extLst>
-              <a:ext uri="{FF2B5EF4-FFF2-40B4-BE49-F238E27FC236}">
-                <a16:creationId xmlns:a16="http://schemas.microsoft.com/office/drawing/2014/main" id="{3B698F9E-7A6C-4ED2-9274-664B9073417A}"/>
-              </a:ext>
-            </a:extLst>
-          </p:cNvPr>
-          <p:cNvSpPr txBox="1"/>
-          <p:nvPr/>
-        </p:nvSpPr>
-        <p:spPr>
-          <a:xfrm>
-            <a:off x="1753337" y="2998090"/>
-            <a:ext cx="8635754" cy="1477328"/>
-          </a:xfrm>
-          <a:prstGeom prst="rect">
-            <a:avLst/>
-          </a:prstGeom>
-          <a:noFill/>
-        </p:spPr>
-        <p:txBody>
-          <a:bodyPr wrap="square">
-            <a:spAutoFit/>
-          </a:bodyPr>
-          <a:lstStyle/>
-          <a:p>
-            <a:pPr marL="0" marR="0" lvl="0" indent="0" algn="l" defTabSz="914400" rtl="0" eaLnBrk="1" fontAlgn="auto" latinLnBrk="0" hangingPunct="1">
-              <a:lnSpc>
-                <a:spcPct val="100000"/>
-              </a:lnSpc>
-              <a:spcBef>
-                <a:spcPts val="0"/>
-              </a:spcBef>
-              <a:spcAft>
-                <a:spcPts val="0"/>
-              </a:spcAft>
-              <a:buClrTx/>
-              <a:buSzTx/>
-              <a:buFontTx/>
-              <a:buNone/>
-              <a:tabLst/>
-              <a:defRPr/>
-            </a:pPr>
-            <a:r>
-              <a:rPr kumimoji="0" lang="en-US" sz="1800" b="0" i="0" u="none" strike="noStrike" kern="1200" cap="none" spc="0" normalizeH="0" baseline="0" noProof="0" dirty="0">
-                <a:ln>
-                  <a:noFill/>
-                </a:ln>
-                <a:solidFill>
-                  <a:prstClr val="black"/>
-                </a:solidFill>
-                <a:effectLst/>
-                <a:uLnTx/>
-                <a:uFillTx/>
-                <a:latin typeface="Calibri" panose="020F0502020204030204"/>
-                <a:ea typeface="+mn-ea"/>
-                <a:cs typeface="+mn-cs"/>
-              </a:rPr>
-              <a:t>From Kaggle</a:t>
-            </a:r>
-          </a:p>
-          <a:p>
-            <a:pPr marL="0" marR="0" lvl="0" indent="0" algn="l" defTabSz="914400" rtl="0" eaLnBrk="1" fontAlgn="auto" latinLnBrk="0" hangingPunct="1">
-              <a:lnSpc>
-                <a:spcPct val="100000"/>
-              </a:lnSpc>
-              <a:spcBef>
-                <a:spcPts val="0"/>
-              </a:spcBef>
-              <a:spcAft>
-                <a:spcPts val="0"/>
-              </a:spcAft>
-              <a:buClrTx/>
-              <a:buSzTx/>
-              <a:buFontTx/>
-              <a:buNone/>
-              <a:tabLst/>
-              <a:defRPr/>
-            </a:pPr>
-            <a:r>
-              <a:rPr kumimoji="0" lang="en-US" sz="1800" b="0" i="0" u="none" strike="noStrike" kern="1200" cap="none" spc="0" normalizeH="0" baseline="0" noProof="0" dirty="0">
-                <a:ln>
-                  <a:noFill/>
-                </a:ln>
-                <a:solidFill>
-                  <a:prstClr val="black"/>
-                </a:solidFill>
-                <a:effectLst/>
-                <a:uLnTx/>
-                <a:uFillTx/>
-                <a:latin typeface="Calibri" panose="020F0502020204030204"/>
-                <a:ea typeface="+mn-ea"/>
-                <a:cs typeface="+mn-cs"/>
-                <a:hlinkClick r:id="rId3"/>
-              </a:rPr>
-              <a:t>https://www.kaggle.com/dinirimameev/monthly-car-sales-in-quebec-1960/version/2</a:t>
-            </a:r>
-            <a:r>
-              <a:rPr kumimoji="0" lang="en-US" sz="1800" b="0" i="0" u="none" strike="noStrike" kern="1200" cap="none" spc="0" normalizeH="0" baseline="0" noProof="0" dirty="0">
-                <a:ln>
-                  <a:noFill/>
-                </a:ln>
-                <a:solidFill>
-                  <a:prstClr val="black"/>
-                </a:solidFill>
-                <a:effectLst/>
-                <a:uLnTx/>
-                <a:uFillTx/>
-                <a:latin typeface="Calibri" panose="020F0502020204030204"/>
-                <a:ea typeface="+mn-ea"/>
-                <a:cs typeface="+mn-cs"/>
-              </a:rPr>
-              <a:t>  </a:t>
-            </a:r>
-          </a:p>
-          <a:p>
-            <a:pPr marL="0" marR="0" lvl="0" indent="0" algn="l" defTabSz="914400" rtl="0" eaLnBrk="1" fontAlgn="auto" latinLnBrk="0" hangingPunct="1">
-              <a:lnSpc>
-                <a:spcPct val="100000"/>
-              </a:lnSpc>
-              <a:spcBef>
-                <a:spcPts val="0"/>
-              </a:spcBef>
-              <a:spcAft>
-                <a:spcPts val="0"/>
-              </a:spcAft>
-              <a:buClrTx/>
-              <a:buSzTx/>
-              <a:buFontTx/>
-              <a:buNone/>
-              <a:tabLst/>
-              <a:defRPr/>
-            </a:pPr>
-            <a:endParaRPr lang="en-US" dirty="0">
-              <a:solidFill>
-                <a:prstClr val="black"/>
-              </a:solidFill>
-              <a:latin typeface="Calibri" panose="020F0502020204030204"/>
-            </a:endParaRPr>
-          </a:p>
-          <a:p>
-            <a:pPr marL="0" marR="0" lvl="0" indent="0" algn="l" defTabSz="914400" rtl="0" eaLnBrk="1" fontAlgn="auto" latinLnBrk="0" hangingPunct="1">
-              <a:lnSpc>
-                <a:spcPct val="100000"/>
-              </a:lnSpc>
-              <a:spcBef>
-                <a:spcPts val="0"/>
-              </a:spcBef>
-              <a:spcAft>
-                <a:spcPts val="0"/>
-              </a:spcAft>
-              <a:buClrTx/>
-              <a:buSzTx/>
-              <a:buFontTx/>
-              <a:buNone/>
-              <a:tabLst/>
-              <a:defRPr/>
-            </a:pPr>
-            <a:r>
-              <a:rPr lang="en-US" dirty="0">
-                <a:solidFill>
-                  <a:prstClr val="black"/>
-                </a:solidFill>
-                <a:latin typeface="Calibri" panose="020F0502020204030204"/>
-              </a:rPr>
-              <a:t>Or from </a:t>
-            </a:r>
-            <a:r>
-              <a:rPr lang="en-US" dirty="0" err="1">
-                <a:solidFill>
-                  <a:prstClr val="black"/>
-                </a:solidFill>
-                <a:latin typeface="Calibri" panose="020F0502020204030204"/>
-              </a:rPr>
-              <a:t>github</a:t>
-            </a:r>
-            <a:r>
-              <a:rPr lang="en-US" dirty="0">
-                <a:solidFill>
-                  <a:prstClr val="black"/>
-                </a:solidFill>
-                <a:latin typeface="Calibri" panose="020F0502020204030204"/>
-              </a:rPr>
-              <a:t> to get the data file</a:t>
-            </a:r>
-          </a:p>
-          <a:p>
-            <a:pPr marL="0" marR="0" lvl="0" indent="0" algn="l" defTabSz="914400" rtl="0" eaLnBrk="1" fontAlgn="auto" latinLnBrk="0" hangingPunct="1">
-              <a:lnSpc>
-                <a:spcPct val="100000"/>
-              </a:lnSpc>
-              <a:spcBef>
-                <a:spcPts val="0"/>
-              </a:spcBef>
-              <a:spcAft>
-                <a:spcPts val="0"/>
-              </a:spcAft>
-              <a:buClrTx/>
-              <a:buSzTx/>
-              <a:buFontTx/>
-              <a:buNone/>
-              <a:tabLst/>
-              <a:defRPr/>
-            </a:pPr>
-            <a:r>
-              <a:rPr kumimoji="0" lang="en-US" sz="1800" b="0" i="0" u="none" strike="noStrike" kern="1200" cap="none" spc="0" normalizeH="0" baseline="0" noProof="0" dirty="0">
-                <a:ln>
-                  <a:noFill/>
-                </a:ln>
-                <a:solidFill>
-                  <a:prstClr val="black"/>
-                </a:solidFill>
-                <a:effectLst/>
-                <a:uLnTx/>
-                <a:uFillTx/>
-                <a:latin typeface="Calibri" panose="020F0502020204030204"/>
-                <a:ea typeface="+mn-ea"/>
-                <a:cs typeface="+mn-cs"/>
-                <a:hlinkClick r:id="rId4"/>
-              </a:rPr>
-              <a:t>https://github.com/jbrownlee/Datasets/blob/master/monthly-car-sales.csv</a:t>
-            </a:r>
-            <a:r>
-              <a:rPr kumimoji="0" lang="en-US" sz="1800" b="0" i="0" u="none" strike="noStrike" kern="1200" cap="none" spc="0" normalizeH="0" baseline="0" noProof="0" dirty="0">
-                <a:ln>
-                  <a:noFill/>
-                </a:ln>
-                <a:solidFill>
-                  <a:prstClr val="black"/>
-                </a:solidFill>
-                <a:effectLst/>
-                <a:uLnTx/>
-                <a:uFillTx/>
-                <a:latin typeface="Calibri" panose="020F0502020204030204"/>
-                <a:ea typeface="+mn-ea"/>
-                <a:cs typeface="+mn-cs"/>
-              </a:rPr>
-              <a:t> </a:t>
-            </a:r>
-          </a:p>
-        </p:txBody>
-      </p:sp>
-    </p:spTree>
-    <p:extLst>
-      <p:ext uri="{BB962C8B-B14F-4D97-AF65-F5344CB8AC3E}">
-        <p14:creationId xmlns:p14="http://schemas.microsoft.com/office/powerpoint/2010/main" val="1052757169"/>
-      </p:ext>
-    </p:extLst>
-  </p:cSld>
-  <p:clrMapOvr>
-    <a:masterClrMapping/>
-  </p:clrMapOvr>
-</p:sld>
-</file>
-
-<file path=ppt/slides/slide8.xml><?xml version="1.0" encoding="utf-8"?>
-<p:sld xmlns:a="http://schemas.openxmlformats.org/drawingml/2006/main" xmlns:r="http://schemas.openxmlformats.org/officeDocument/2006/relationships" xmlns:p="http://schemas.openxmlformats.org/presentationml/2006/main">
-  <p:cSld>
-    <p:spTree>
-      <p:nvGrpSpPr>
-        <p:cNvPr id="1" name=""/>
-        <p:cNvGrpSpPr/>
-        <p:nvPr/>
-      </p:nvGrpSpPr>
-      <p:grpSpPr>
-        <a:xfrm>
-          <a:off x="0" y="0"/>
-          <a:ext cx="0" cy="0"/>
-          <a:chOff x="0" y="0"/>
-          <a:chExt cx="0" cy="0"/>
-        </a:xfrm>
-      </p:grpSpPr>
-      <p:sp>
-        <p:nvSpPr>
-          <p:cNvPr id="5" name="TextBox 4">
-            <a:extLst>
-              <a:ext uri="{FF2B5EF4-FFF2-40B4-BE49-F238E27FC236}">
-                <a16:creationId xmlns:a16="http://schemas.microsoft.com/office/drawing/2014/main" id="{866A4AFA-A535-4883-9D03-FA01417F39BC}"/>
-              </a:ext>
-            </a:extLst>
-          </p:cNvPr>
-          <p:cNvSpPr txBox="1"/>
-          <p:nvPr/>
-        </p:nvSpPr>
-        <p:spPr>
-          <a:xfrm>
-            <a:off x="1103050" y="556619"/>
-            <a:ext cx="6094520" cy="369332"/>
-          </a:xfrm>
-          <a:prstGeom prst="rect">
-            <a:avLst/>
-          </a:prstGeom>
-          <a:noFill/>
-        </p:spPr>
-        <p:txBody>
-          <a:bodyPr wrap="square">
-            <a:spAutoFit/>
-          </a:bodyPr>
-          <a:lstStyle/>
-          <a:p>
-            <a:pPr marL="285750" indent="-285750">
-              <a:buFont typeface="Arial" panose="020B0604020202020204" pitchFamily="34" charset="0"/>
-              <a:buChar char="•"/>
-            </a:pPr>
-            <a:r>
-              <a:rPr lang="en-MY" b="0" i="0" dirty="0">
-                <a:solidFill>
-                  <a:srgbClr val="24292E"/>
-                </a:solidFill>
-                <a:effectLst/>
-                <a:latin typeface="-apple-system"/>
-              </a:rPr>
-              <a:t>Top grossing movies from 2007-2011</a:t>
-            </a:r>
-            <a:endParaRPr lang="en-MY" dirty="0"/>
-          </a:p>
-        </p:txBody>
-      </p:sp>
-      <p:sp>
-        <p:nvSpPr>
-          <p:cNvPr id="7" name="TextBox 6">
-            <a:extLst>
-              <a:ext uri="{FF2B5EF4-FFF2-40B4-BE49-F238E27FC236}">
-                <a16:creationId xmlns:a16="http://schemas.microsoft.com/office/drawing/2014/main" id="{8B3BF51D-E38D-4379-BCD5-99E36253614C}"/>
-              </a:ext>
-            </a:extLst>
-          </p:cNvPr>
-          <p:cNvSpPr txBox="1"/>
-          <p:nvPr/>
-        </p:nvSpPr>
-        <p:spPr>
-          <a:xfrm>
-            <a:off x="1919795" y="990265"/>
-            <a:ext cx="7685843" cy="369332"/>
-          </a:xfrm>
-          <a:prstGeom prst="rect">
-            <a:avLst/>
-          </a:prstGeom>
-          <a:noFill/>
-        </p:spPr>
-        <p:txBody>
-          <a:bodyPr wrap="square">
-            <a:spAutoFit/>
-          </a:bodyPr>
-          <a:lstStyle/>
-          <a:p>
-            <a:r>
-              <a:rPr lang="en-MY" dirty="0">
-                <a:hlinkClick r:id="rId2"/>
-              </a:rPr>
-              <a:t>https://gist.github.com/katcappelli/bcfd602292f9677a7063b5e70a967964</a:t>
-            </a:r>
-            <a:r>
-              <a:rPr lang="en-MY" dirty="0"/>
-              <a:t> </a:t>
-            </a:r>
-          </a:p>
-        </p:txBody>
-      </p:sp>
-      <p:sp>
-        <p:nvSpPr>
-          <p:cNvPr id="9" name="TextBox 8">
-            <a:extLst>
-              <a:ext uri="{FF2B5EF4-FFF2-40B4-BE49-F238E27FC236}">
-                <a16:creationId xmlns:a16="http://schemas.microsoft.com/office/drawing/2014/main" id="{20D2E8FB-AA49-4755-9F54-AE7EDE22D88D}"/>
-              </a:ext>
-            </a:extLst>
-          </p:cNvPr>
-          <p:cNvSpPr txBox="1"/>
-          <p:nvPr/>
-        </p:nvSpPr>
-        <p:spPr>
-          <a:xfrm>
-            <a:off x="1919795" y="2647211"/>
-            <a:ext cx="6094520" cy="369332"/>
-          </a:xfrm>
-          <a:prstGeom prst="rect">
-            <a:avLst/>
-          </a:prstGeom>
-          <a:noFill/>
-        </p:spPr>
-        <p:txBody>
-          <a:bodyPr wrap="square">
-            <a:spAutoFit/>
-          </a:bodyPr>
-          <a:lstStyle/>
-          <a:p>
-            <a:r>
-              <a:rPr lang="en-MY" dirty="0">
-                <a:hlinkClick r:id="rId3"/>
-              </a:rPr>
-              <a:t>https://lms.pps.net/courses/14964/files/60521</a:t>
-            </a:r>
-            <a:r>
-              <a:rPr lang="en-MY" dirty="0"/>
-              <a:t> </a:t>
-            </a:r>
-          </a:p>
-        </p:txBody>
-      </p:sp>
-      <p:sp>
-        <p:nvSpPr>
-          <p:cNvPr id="10" name="TextBox 9">
-            <a:extLst>
-              <a:ext uri="{FF2B5EF4-FFF2-40B4-BE49-F238E27FC236}">
-                <a16:creationId xmlns:a16="http://schemas.microsoft.com/office/drawing/2014/main" id="{E8E66EE0-80CC-4208-BF93-EF31B1D080F8}"/>
-              </a:ext>
-            </a:extLst>
-          </p:cNvPr>
-          <p:cNvSpPr txBox="1"/>
-          <p:nvPr/>
-        </p:nvSpPr>
-        <p:spPr>
-          <a:xfrm>
-            <a:off x="1103050" y="2175431"/>
-            <a:ext cx="6094520" cy="369332"/>
-          </a:xfrm>
-          <a:prstGeom prst="rect">
-            <a:avLst/>
-          </a:prstGeom>
-          <a:noFill/>
-        </p:spPr>
-        <p:txBody>
-          <a:bodyPr wrap="square">
-            <a:spAutoFit/>
-          </a:bodyPr>
-          <a:lstStyle/>
-          <a:p>
-            <a:pPr marL="285750" indent="-285750">
-              <a:buFont typeface="Arial" panose="020B0604020202020204" pitchFamily="34" charset="0"/>
-              <a:buChar char="•"/>
-            </a:pPr>
-            <a:r>
-              <a:rPr lang="en-MY" b="0" i="0" dirty="0">
-                <a:solidFill>
-                  <a:srgbClr val="24292E"/>
-                </a:solidFill>
-                <a:effectLst/>
-                <a:latin typeface="-apple-system"/>
-              </a:rPr>
-              <a:t>500 Top grossing movies</a:t>
-            </a:r>
-            <a:endParaRPr lang="en-MY" dirty="0"/>
-          </a:p>
-        </p:txBody>
-      </p:sp>
-      <p:sp>
-        <p:nvSpPr>
-          <p:cNvPr id="6" name="TextBox 5">
-            <a:extLst>
-              <a:ext uri="{FF2B5EF4-FFF2-40B4-BE49-F238E27FC236}">
-                <a16:creationId xmlns:a16="http://schemas.microsoft.com/office/drawing/2014/main" id="{6C02F035-1729-4B10-9889-A4770CC41A5A}"/>
-              </a:ext>
-            </a:extLst>
-          </p:cNvPr>
-          <p:cNvSpPr txBox="1"/>
-          <p:nvPr/>
-        </p:nvSpPr>
-        <p:spPr>
-          <a:xfrm>
-            <a:off x="1103050" y="3759217"/>
-            <a:ext cx="4948021" cy="369332"/>
-          </a:xfrm>
-          <a:prstGeom prst="rect">
-            <a:avLst/>
-          </a:prstGeom>
-          <a:noFill/>
-        </p:spPr>
-        <p:txBody>
-          <a:bodyPr wrap="none" rtlCol="0">
-            <a:spAutoFit/>
-          </a:bodyPr>
-          <a:lstStyle/>
-          <a:p>
-            <a:pPr marL="285750" marR="0" lvl="0" indent="-285750" algn="l" defTabSz="914400" rtl="0" eaLnBrk="1" fontAlgn="auto" latinLnBrk="0" hangingPunct="1">
-              <a:lnSpc>
-                <a:spcPct val="100000"/>
-              </a:lnSpc>
-              <a:spcBef>
-                <a:spcPts val="0"/>
-              </a:spcBef>
-              <a:spcAft>
-                <a:spcPts val="0"/>
-              </a:spcAft>
-              <a:buClrTx/>
-              <a:buSzTx/>
-              <a:buFont typeface="Arial" panose="020B0604020202020204" pitchFamily="34" charset="0"/>
-              <a:buChar char="•"/>
-              <a:tabLst/>
-              <a:defRPr/>
-            </a:pPr>
-            <a:r>
-              <a:rPr kumimoji="0" lang="en-MY" sz="1800" b="0" i="0" u="none" strike="noStrike" kern="1200" cap="none" spc="0" normalizeH="0" baseline="0" noProof="0" dirty="0">
-                <a:ln>
-                  <a:noFill/>
-                </a:ln>
-                <a:solidFill>
-                  <a:prstClr val="black"/>
-                </a:solidFill>
-                <a:effectLst/>
-                <a:uLnTx/>
-                <a:uFillTx/>
-                <a:latin typeface="Calibri" panose="020F0502020204030204"/>
-                <a:ea typeface="+mn-ea"/>
-                <a:cs typeface="+mn-cs"/>
-              </a:rPr>
               <a:t>The Updated Zwicky </a:t>
             </a:r>
             <a:r>
@@ -8432,7 +7880,7 @@
 </p:sld>
 </file>
 
-<file path=ppt/slides/slide9.xml><?xml version="1.0" encoding="utf-8"?>
+<file path=ppt/slides/slide8.xml><?xml version="1.0" encoding="utf-8"?>
 <p:sld xmlns:a="http://schemas.openxmlformats.org/drawingml/2006/main" xmlns:r="http://schemas.openxmlformats.org/officeDocument/2006/relationships" xmlns:p="http://schemas.openxmlformats.org/presentationml/2006/main">
   <p:cSld>
     <p:spTree>
